--- a/4. Building a Blog Style Home Page Site.pptx
+++ b/4. Building a Blog Style Home Page Site.pptx
@@ -9,9 +9,12 @@
     <p:sldId id="263" r:id="rId3"/>
     <p:sldId id="258" r:id="rId4"/>
     <p:sldId id="259" r:id="rId5"/>
-    <p:sldId id="260" r:id="rId6"/>
-    <p:sldId id="261" r:id="rId7"/>
-    <p:sldId id="262" r:id="rId8"/>
+    <p:sldId id="264" r:id="rId6"/>
+    <p:sldId id="265" r:id="rId7"/>
+    <p:sldId id="266" r:id="rId8"/>
+    <p:sldId id="260" r:id="rId9"/>
+    <p:sldId id="261" r:id="rId10"/>
+    <p:sldId id="262" r:id="rId11"/>
   </p:sldIdLst>
   <p:sldSz cx="12192000" cy="6858000"/>
   <p:notesSz cx="6858000" cy="9144000"/>
@@ -110,6 +113,11 @@
       </a:defRPr>
     </a:lvl9pPr>
   </p:defaultTextStyle>
+  <p:extLst>
+    <p:ext uri="{EFAFB233-063F-42B5-8137-9DF3F51BA10A}">
+      <p15:sldGuideLst xmlns:p15="http://schemas.microsoft.com/office/powerpoint/2012/main"/>
+    </p:ext>
+  </p:extLst>
 </p:presentation>
 </file>
 
@@ -309,7 +317,7 @@
                 <a:tabLst/>
                 <a:defRPr/>
               </a:pPr>
-              <a:t>5/21/2018</a:t>
+              <a:t>5/24/2018</a:t>
             </a:fld>
             <a:endParaRPr kumimoji="0" lang="en-US" sz="1200" b="0" i="0" u="none" strike="noStrike" kern="1200" cap="none" spc="0" normalizeH="0" baseline="0" noProof="0">
               <a:ln>
@@ -667,7 +675,7 @@
                 <a:tabLst/>
                 <a:defRPr/>
               </a:pPr>
-              <a:t>5/21/2018</a:t>
+              <a:t>5/24/2018</a:t>
             </a:fld>
             <a:endParaRPr kumimoji="0" lang="en-US" sz="1200" b="0" i="0" u="none" strike="noStrike" kern="1200" cap="none" spc="0" normalizeH="0" baseline="0" noProof="0">
               <a:ln>
@@ -1035,7 +1043,7 @@
                 <a:tabLst/>
                 <a:defRPr/>
               </a:pPr>
-              <a:t>5/21/2018</a:t>
+              <a:t>5/24/2018</a:t>
             </a:fld>
             <a:endParaRPr kumimoji="0" lang="en-US" sz="1200" b="0" i="0" u="none" strike="noStrike" kern="1200" cap="none" spc="0" normalizeH="0" baseline="0" noProof="0">
               <a:ln>
@@ -1393,7 +1401,7 @@
                 <a:tabLst/>
                 <a:defRPr/>
               </a:pPr>
-              <a:t>5/21/2018</a:t>
+              <a:t>5/24/2018</a:t>
             </a:fld>
             <a:endParaRPr kumimoji="0" lang="en-US" sz="1200" b="0" i="0" u="none" strike="noStrike" kern="1200" cap="none" spc="0" normalizeH="0" baseline="0" noProof="0">
               <a:ln>
@@ -1828,7 +1836,7 @@
                 <a:tabLst/>
                 <a:defRPr/>
               </a:pPr>
-              <a:t>5/21/2018</a:t>
+              <a:t>5/24/2018</a:t>
             </a:fld>
             <a:endParaRPr kumimoji="0" lang="en-US" sz="1200" b="0" i="0" u="none" strike="noStrike" kern="1200" cap="none" spc="0" normalizeH="0" baseline="0" noProof="0">
               <a:ln>
@@ -2253,7 +2261,7 @@
                 <a:tabLst/>
                 <a:defRPr/>
               </a:pPr>
-              <a:t>5/21/2018</a:t>
+              <a:t>5/24/2018</a:t>
             </a:fld>
             <a:endParaRPr kumimoji="0" lang="en-US" sz="1200" b="0" i="0" u="none" strike="noStrike" kern="1200" cap="none" spc="0" normalizeH="0" baseline="0" noProof="0">
               <a:ln>
@@ -2825,7 +2833,7 @@
                 <a:tabLst/>
                 <a:defRPr/>
               </a:pPr>
-              <a:t>5/21/2018</a:t>
+              <a:t>5/24/2018</a:t>
             </a:fld>
             <a:endParaRPr kumimoji="0" lang="en-US" sz="1200" b="0" i="0" u="none" strike="noStrike" kern="1200" cap="none" spc="0" normalizeH="0" baseline="0" noProof="0">
               <a:ln>
@@ -3126,7 +3134,7 @@
                 <a:tabLst/>
                 <a:defRPr/>
               </a:pPr>
-              <a:t>5/21/2018</a:t>
+              <a:t>5/24/2018</a:t>
             </a:fld>
             <a:endParaRPr kumimoji="0" lang="en-US" sz="1200" b="0" i="0" u="none" strike="noStrike" kern="1200" cap="none" spc="0" normalizeH="0" baseline="0" noProof="0">
               <a:ln>
@@ -3399,7 +3407,7 @@
                 <a:tabLst/>
                 <a:defRPr/>
               </a:pPr>
-              <a:t>5/21/2018</a:t>
+              <a:t>5/24/2018</a:t>
             </a:fld>
             <a:endParaRPr kumimoji="0" lang="en-US" sz="1200" b="0" i="0" u="none" strike="noStrike" kern="1200" cap="none" spc="0" normalizeH="0" baseline="0" noProof="0">
               <a:ln>
@@ -3870,7 +3878,7 @@
                 <a:tabLst/>
                 <a:defRPr/>
               </a:pPr>
-              <a:t>5/21/2018</a:t>
+              <a:t>5/24/2018</a:t>
             </a:fld>
             <a:endParaRPr kumimoji="0" lang="en-US" sz="1200" b="0" i="0" u="none" strike="noStrike" kern="1200" cap="none" spc="0" normalizeH="0" baseline="0" noProof="0">
               <a:ln>
@@ -4318,7 +4326,7 @@
                 <a:tabLst/>
                 <a:defRPr/>
               </a:pPr>
-              <a:t>5/21/2018</a:t>
+              <a:t>5/24/2018</a:t>
             </a:fld>
             <a:endParaRPr kumimoji="0" lang="en-US" sz="1200" b="0" i="0" u="none" strike="noStrike" kern="1200" cap="none" spc="0" normalizeH="0" baseline="0" noProof="0">
               <a:ln>
@@ -4719,7 +4727,7 @@
                 <a:tabLst/>
                 <a:defRPr/>
               </a:pPr>
-              <a:t>5/21/2018</a:t>
+              <a:t>5/24/2018</a:t>
             </a:fld>
             <a:endParaRPr kumimoji="0" lang="en-US" sz="1200" b="0" i="0" u="none" strike="noStrike" kern="1200" cap="none" spc="0" normalizeH="0" baseline="0" noProof="0">
               <a:ln>
@@ -5268,10 +5276,9 @@
           <a:lstStyle/>
           <a:p>
             <a:r>
-              <a:rPr lang="en-US" dirty="0" smtClean="0"/>
+              <a:rPr lang="en-US" dirty="0"/>
               <a:t>Building a Blog Style Home Page Site</a:t>
             </a:r>
-            <a:endParaRPr lang="en-US" dirty="0"/>
           </a:p>
         </p:txBody>
       </p:sp>
@@ -5279,6 +5286,77 @@
     <p:extLst>
       <p:ext uri="{BB962C8B-B14F-4D97-AF65-F5344CB8AC3E}">
         <p14:creationId xmlns:p14="http://schemas.microsoft.com/office/powerpoint/2010/main" val="2064685762"/>
+      </p:ext>
+    </p:extLst>
+  </p:cSld>
+  <p:clrMapOvr>
+    <a:masterClrMapping/>
+  </p:clrMapOvr>
+</p:sld>
+</file>
+
+<file path=ppt/slides/slide10.xml><?xml version="1.0" encoding="utf-8"?>
+<p:sld xmlns:a="http://schemas.openxmlformats.org/drawingml/2006/main" xmlns:r="http://schemas.openxmlformats.org/officeDocument/2006/relationships" xmlns:p="http://schemas.openxmlformats.org/presentationml/2006/main">
+  <p:cSld>
+    <p:spTree>
+      <p:nvGrpSpPr>
+        <p:cNvPr id="1" name=""/>
+        <p:cNvGrpSpPr/>
+        <p:nvPr/>
+      </p:nvGrpSpPr>
+      <p:grpSpPr>
+        <a:xfrm>
+          <a:off x="0" y="0"/>
+          <a:ext cx="0" cy="0"/>
+          <a:chOff x="0" y="0"/>
+          <a:chExt cx="0" cy="0"/>
+        </a:xfrm>
+      </p:grpSpPr>
+      <p:sp>
+        <p:nvSpPr>
+          <p:cNvPr id="2" name="Title 1"/>
+          <p:cNvSpPr>
+            <a:spLocks noGrp="1"/>
+          </p:cNvSpPr>
+          <p:nvPr>
+            <p:ph type="ctrTitle"/>
+          </p:nvPr>
+        </p:nvSpPr>
+        <p:spPr>
+          <a:xfrm>
+            <a:off x="0" y="0"/>
+            <a:ext cx="12192000" cy="6858000"/>
+          </a:xfrm>
+        </p:spPr>
+        <p:txBody>
+          <a:bodyPr anchor="ctr"/>
+          <a:lstStyle/>
+          <a:p>
+            <a:r>
+              <a:rPr lang="en-US" dirty="0"/>
+              <a:t>Post Formats</a:t>
+            </a:r>
+            <a:br>
+              <a:rPr lang="en-US" dirty="0"/>
+            </a:br>
+            <a:r>
+              <a:rPr lang="en-US" dirty="0"/>
+              <a:t>&amp;</a:t>
+            </a:r>
+            <a:br>
+              <a:rPr lang="en-US" dirty="0"/>
+            </a:br>
+            <a:r>
+              <a:rPr lang="en-US" dirty="0"/>
+              <a:t>Finishing Up</a:t>
+            </a:r>
+          </a:p>
+        </p:txBody>
+      </p:sp>
+    </p:spTree>
+    <p:extLst>
+      <p:ext uri="{BB962C8B-B14F-4D97-AF65-F5344CB8AC3E}">
+        <p14:creationId xmlns:p14="http://schemas.microsoft.com/office/powerpoint/2010/main" val="2441736288"/>
       </p:ext>
     </p:extLst>
   </p:cSld>
@@ -5312,38 +5390,71 @@
             <a:spLocks noGrp="1"/>
           </p:cNvSpPr>
           <p:nvPr>
-            <p:ph type="ctrTitle"/>
-          </p:nvPr>
-        </p:nvSpPr>
-        <p:spPr>
-          <a:xfrm>
-            <a:off x="0" y="0"/>
-            <a:ext cx="12192000" cy="6858000"/>
-          </a:xfrm>
-        </p:spPr>
-        <p:txBody>
-          <a:bodyPr anchor="ctr"/>
+            <p:ph type="title"/>
+          </p:nvPr>
+        </p:nvSpPr>
+        <p:spPr/>
+        <p:txBody>
+          <a:bodyPr anchor="t">
+            <a:normAutofit/>
+          </a:bodyPr>
           <a:lstStyle/>
           <a:p>
-            <a:r>
-              <a:rPr lang="en-US" dirty="0" smtClean="0"/>
-              <a:t>Modify Home Page</a:t>
-            </a:r>
-            <a:br>
-              <a:rPr lang="en-US" dirty="0" smtClean="0"/>
-            </a:br>
-            <a:r>
-              <a:rPr lang="en-US" dirty="0" smtClean="0"/>
-              <a:t>&amp;</a:t>
-            </a:r>
-            <a:br>
-              <a:rPr lang="en-US" dirty="0" smtClean="0"/>
-            </a:br>
-            <a:r>
-              <a:rPr lang="en-US" dirty="0" smtClean="0"/>
-              <a:t>Import Sample</a:t>
-            </a:r>
-            <a:endParaRPr lang="en-US" dirty="0"/>
+            <a:pPr algn="l"/>
+            <a:r>
+              <a:rPr lang="en-US" sz="4800" dirty="0"/>
+              <a:t>Modify Home Page &amp; Import Sample</a:t>
+            </a:r>
+          </a:p>
+        </p:txBody>
+      </p:sp>
+      <p:sp>
+        <p:nvSpPr>
+          <p:cNvPr id="3" name="Content Placeholder 2">
+            <a:extLst>
+              <a:ext uri="{FF2B5EF4-FFF2-40B4-BE49-F238E27FC236}">
+                <a16:creationId xmlns:a16="http://schemas.microsoft.com/office/drawing/2014/main" id="{FE4282EC-D7E8-46B4-B06B-3370DD41E9EE}"/>
+              </a:ext>
+            </a:extLst>
+          </p:cNvPr>
+          <p:cNvSpPr>
+            <a:spLocks noGrp="1"/>
+          </p:cNvSpPr>
+          <p:nvPr>
+            <p:ph idx="1"/>
+          </p:nvPr>
+        </p:nvSpPr>
+        <p:spPr/>
+        <p:txBody>
+          <a:bodyPr/>
+          <a:lstStyle/>
+          <a:p>
+            <a:r>
+              <a:rPr lang="en-US" dirty="0"/>
+              <a:t>Import demo content from sample.xml file ( </a:t>
+            </a:r>
+            <a:r>
+              <a:rPr lang="en-US" dirty="0">
+                <a:hlinkClick r:id="rId2"/>
+              </a:rPr>
+              <a:t>Theme Unit Test </a:t>
+            </a:r>
+            <a:r>
+              <a:rPr lang="en-US" dirty="0"/>
+              <a:t>)</a:t>
+            </a:r>
+          </a:p>
+          <a:p>
+            <a:r>
+              <a:rPr lang="en-US" dirty="0"/>
+              <a:t>Set List of Posts as Front Page</a:t>
+            </a:r>
+          </a:p>
+          <a:p>
+            <a:r>
+              <a:rPr lang="en-US" dirty="0"/>
+              <a:t>In Front Page just show 3 Posts</a:t>
+            </a:r>
           </a:p>
         </p:txBody>
       </p:sp>
@@ -5384,38 +5495,92 @@
             <a:spLocks noGrp="1"/>
           </p:cNvSpPr>
           <p:nvPr>
-            <p:ph type="ctrTitle"/>
-          </p:nvPr>
-        </p:nvSpPr>
-        <p:spPr>
-          <a:xfrm>
-            <a:off x="0" y="0"/>
-            <a:ext cx="12192000" cy="6858000"/>
-          </a:xfrm>
-        </p:spPr>
-        <p:txBody>
-          <a:bodyPr anchor="ctr"/>
+            <p:ph type="title"/>
+          </p:nvPr>
+        </p:nvSpPr>
+        <p:spPr/>
+        <p:txBody>
+          <a:bodyPr anchor="ctr">
+            <a:normAutofit/>
+          </a:bodyPr>
           <a:lstStyle/>
           <a:p>
             <a:r>
-              <a:rPr lang="en-US" dirty="0" smtClean="0"/>
-              <a:t>Change Theme</a:t>
-            </a:r>
-            <a:br>
-              <a:rPr lang="en-US" dirty="0" smtClean="0"/>
-            </a:br>
-            <a:r>
-              <a:rPr lang="en-US" dirty="0" smtClean="0"/>
-              <a:t>&amp;</a:t>
-            </a:r>
-            <a:br>
-              <a:rPr lang="en-US" dirty="0" smtClean="0"/>
-            </a:br>
-            <a:r>
-              <a:rPr lang="en-US" dirty="0" smtClean="0"/>
-              <a:t>Modify Home Page</a:t>
-            </a:r>
-            <a:endParaRPr lang="en-US" dirty="0"/>
+              <a:rPr lang="en-US" dirty="0"/>
+              <a:t>Change Theme &amp; Modify Home Page</a:t>
+            </a:r>
+          </a:p>
+        </p:txBody>
+      </p:sp>
+      <p:sp>
+        <p:nvSpPr>
+          <p:cNvPr id="3" name="Content Placeholder 2">
+            <a:extLst>
+              <a:ext uri="{FF2B5EF4-FFF2-40B4-BE49-F238E27FC236}">
+                <a16:creationId xmlns:a16="http://schemas.microsoft.com/office/drawing/2014/main" id="{08441C48-54C5-44B5-86CC-5C2154CD97C3}"/>
+              </a:ext>
+            </a:extLst>
+          </p:cNvPr>
+          <p:cNvSpPr>
+            <a:spLocks noGrp="1"/>
+          </p:cNvSpPr>
+          <p:nvPr>
+            <p:ph idx="1"/>
+          </p:nvPr>
+        </p:nvSpPr>
+        <p:spPr/>
+        <p:txBody>
+          <a:bodyPr/>
+          <a:lstStyle/>
+          <a:p>
+            <a:r>
+              <a:rPr lang="en-US" dirty="0"/>
+              <a:t>Add New Twenty Fourteen Theme and Activate that Theme</a:t>
+            </a:r>
+          </a:p>
+          <a:p>
+            <a:r>
+              <a:rPr lang="en-US" dirty="0"/>
+              <a:t>Create Three New Posts</a:t>
+            </a:r>
+          </a:p>
+          <a:p>
+            <a:r>
+              <a:rPr lang="en-US" dirty="0"/>
+              <a:t>Create photographs Category</a:t>
+            </a:r>
+          </a:p>
+          <a:p>
+            <a:r>
+              <a:rPr lang="en-US" dirty="0"/>
+              <a:t>Add photographs Category to Three New Posts</a:t>
+            </a:r>
+          </a:p>
+          <a:p>
+            <a:r>
+              <a:rPr lang="en-US" dirty="0"/>
+              <a:t>Remove Default Category from Three New Posts</a:t>
+            </a:r>
+          </a:p>
+          <a:p>
+            <a:r>
+              <a:rPr lang="en-US" dirty="0"/>
+              <a:t>Make Sticky Post to </a:t>
+            </a:r>
+            <a:r>
+              <a:rPr lang="en-US" dirty="0" err="1"/>
+              <a:t>Unsticky</a:t>
+            </a:r>
+            <a:r>
+              <a:rPr lang="en-US" dirty="0"/>
+              <a:t> Post</a:t>
+            </a:r>
+          </a:p>
+          <a:p>
+            <a:r>
+              <a:rPr lang="en-US" dirty="0"/>
+              <a:t>Make Three New Posts to Featured Content</a:t>
+            </a:r>
           </a:p>
         </p:txBody>
       </p:sp>
@@ -5470,10 +5635,9 @@
           <a:lstStyle/>
           <a:p>
             <a:r>
-              <a:rPr lang="en-US" dirty="0" smtClean="0"/>
+              <a:rPr lang="en-US" dirty="0"/>
               <a:t>Revised Navigation Header &amp; Footer</a:t>
             </a:r>
-            <a:endParaRPr lang="en-US" dirty="0"/>
           </a:p>
         </p:txBody>
       </p:sp>
@@ -5529,16 +5693,15 @@
           <a:p>
             <a:r>
               <a:rPr lang="en-US" dirty="0"/>
-              <a:t>Categories and Category Navigation</a:t>
-            </a:r>
-            <a:endParaRPr lang="en-US" dirty="0"/>
+              <a:t>Adding Three More Footer Widget</a:t>
+            </a:r>
           </a:p>
         </p:txBody>
       </p:sp>
     </p:spTree>
     <p:extLst>
       <p:ext uri="{BB962C8B-B14F-4D97-AF65-F5344CB8AC3E}">
-        <p14:creationId xmlns:p14="http://schemas.microsoft.com/office/powerpoint/2010/main" val="2717693350"/>
+        <p14:creationId xmlns:p14="http://schemas.microsoft.com/office/powerpoint/2010/main" val="2066584718"/>
       </p:ext>
     </p:extLst>
   </p:cSld>
@@ -5577,8 +5740,8 @@
         </p:nvSpPr>
         <p:spPr>
           <a:xfrm>
-            <a:off x="0" y="0"/>
-            <a:ext cx="12192000" cy="6858000"/>
+            <a:off x="152400" y="0"/>
+            <a:ext cx="11887200" cy="6858000"/>
           </a:xfrm>
         </p:spPr>
         <p:txBody>
@@ -5586,17 +5749,16 @@
           <a:lstStyle/>
           <a:p>
             <a:r>
-              <a:rPr lang="en-US" dirty="0" smtClean="0"/>
-              <a:t>Tags and Tag Navigation</a:t>
-            </a:r>
-            <a:endParaRPr lang="en-US" dirty="0"/>
+              <a:rPr lang="en-US" dirty="0"/>
+              <a:t>Change Recent Posts Widget Instead of List of Pages Widget in the Side Bar</a:t>
+            </a:r>
           </a:p>
         </p:txBody>
       </p:sp>
     </p:spTree>
     <p:extLst>
       <p:ext uri="{BB962C8B-B14F-4D97-AF65-F5344CB8AC3E}">
-        <p14:creationId xmlns:p14="http://schemas.microsoft.com/office/powerpoint/2010/main" val="1931633212"/>
+        <p14:creationId xmlns:p14="http://schemas.microsoft.com/office/powerpoint/2010/main" val="643313237"/>
       </p:ext>
     </p:extLst>
   </p:cSld>
@@ -5635,6 +5797,63 @@
         </p:nvSpPr>
         <p:spPr>
           <a:xfrm>
+            <a:off x="152400" y="0"/>
+            <a:ext cx="11887200" cy="6858000"/>
+          </a:xfrm>
+        </p:spPr>
+        <p:txBody>
+          <a:bodyPr anchor="ctr"/>
+          <a:lstStyle/>
+          <a:p>
+            <a:r>
+              <a:rPr lang="en-US" dirty="0"/>
+              <a:t>Add Photo Gallery to Portfolio Pages</a:t>
+            </a:r>
+          </a:p>
+        </p:txBody>
+      </p:sp>
+    </p:spTree>
+    <p:extLst>
+      <p:ext uri="{BB962C8B-B14F-4D97-AF65-F5344CB8AC3E}">
+        <p14:creationId xmlns:p14="http://schemas.microsoft.com/office/powerpoint/2010/main" val="545862465"/>
+      </p:ext>
+    </p:extLst>
+  </p:cSld>
+  <p:clrMapOvr>
+    <a:masterClrMapping/>
+  </p:clrMapOvr>
+</p:sld>
+</file>
+
+<file path=ppt/slides/slide8.xml><?xml version="1.0" encoding="utf-8"?>
+<p:sld xmlns:a="http://schemas.openxmlformats.org/drawingml/2006/main" xmlns:r="http://schemas.openxmlformats.org/officeDocument/2006/relationships" xmlns:p="http://schemas.openxmlformats.org/presentationml/2006/main">
+  <p:cSld>
+    <p:spTree>
+      <p:nvGrpSpPr>
+        <p:cNvPr id="1" name=""/>
+        <p:cNvGrpSpPr/>
+        <p:nvPr/>
+      </p:nvGrpSpPr>
+      <p:grpSpPr>
+        <a:xfrm>
+          <a:off x="0" y="0"/>
+          <a:ext cx="0" cy="0"/>
+          <a:chOff x="0" y="0"/>
+          <a:chExt cx="0" cy="0"/>
+        </a:xfrm>
+      </p:grpSpPr>
+      <p:sp>
+        <p:nvSpPr>
+          <p:cNvPr id="2" name="Title 1"/>
+          <p:cNvSpPr>
+            <a:spLocks noGrp="1"/>
+          </p:cNvSpPr>
+          <p:nvPr>
+            <p:ph type="ctrTitle"/>
+          </p:nvPr>
+        </p:nvSpPr>
+        <p:spPr>
+          <a:xfrm>
             <a:off x="0" y="0"/>
             <a:ext cx="12192000" cy="6858000"/>
           </a:xfrm>
@@ -5644,31 +5863,73 @@
           <a:lstStyle/>
           <a:p>
             <a:r>
-              <a:rPr lang="en-US" dirty="0" smtClean="0"/>
-              <a:t>Post Formats</a:t>
-            </a:r>
-            <a:br>
-              <a:rPr lang="en-US" dirty="0" smtClean="0"/>
-            </a:br>
-            <a:r>
-              <a:rPr lang="en-US" dirty="0" smtClean="0"/>
-              <a:t>&amp;</a:t>
-            </a:r>
-            <a:br>
-              <a:rPr lang="en-US" dirty="0" smtClean="0"/>
-            </a:br>
-            <a:r>
-              <a:rPr lang="en-US" dirty="0" smtClean="0"/>
-              <a:t>Finishing Up</a:t>
-            </a:r>
-            <a:endParaRPr lang="en-US" dirty="0"/>
+              <a:rPr lang="en-US" dirty="0"/>
+              <a:t>Categories and Category Navigation</a:t>
+            </a:r>
           </a:p>
         </p:txBody>
       </p:sp>
     </p:spTree>
     <p:extLst>
       <p:ext uri="{BB962C8B-B14F-4D97-AF65-F5344CB8AC3E}">
-        <p14:creationId xmlns:p14="http://schemas.microsoft.com/office/powerpoint/2010/main" val="2441736288"/>
+        <p14:creationId xmlns:p14="http://schemas.microsoft.com/office/powerpoint/2010/main" val="2717693350"/>
+      </p:ext>
+    </p:extLst>
+  </p:cSld>
+  <p:clrMapOvr>
+    <a:masterClrMapping/>
+  </p:clrMapOvr>
+</p:sld>
+</file>
+
+<file path=ppt/slides/slide9.xml><?xml version="1.0" encoding="utf-8"?>
+<p:sld xmlns:a="http://schemas.openxmlformats.org/drawingml/2006/main" xmlns:r="http://schemas.openxmlformats.org/officeDocument/2006/relationships" xmlns:p="http://schemas.openxmlformats.org/presentationml/2006/main">
+  <p:cSld>
+    <p:spTree>
+      <p:nvGrpSpPr>
+        <p:cNvPr id="1" name=""/>
+        <p:cNvGrpSpPr/>
+        <p:nvPr/>
+      </p:nvGrpSpPr>
+      <p:grpSpPr>
+        <a:xfrm>
+          <a:off x="0" y="0"/>
+          <a:ext cx="0" cy="0"/>
+          <a:chOff x="0" y="0"/>
+          <a:chExt cx="0" cy="0"/>
+        </a:xfrm>
+      </p:grpSpPr>
+      <p:sp>
+        <p:nvSpPr>
+          <p:cNvPr id="2" name="Title 1"/>
+          <p:cNvSpPr>
+            <a:spLocks noGrp="1"/>
+          </p:cNvSpPr>
+          <p:nvPr>
+            <p:ph type="ctrTitle"/>
+          </p:nvPr>
+        </p:nvSpPr>
+        <p:spPr>
+          <a:xfrm>
+            <a:off x="0" y="0"/>
+            <a:ext cx="12192000" cy="6858000"/>
+          </a:xfrm>
+        </p:spPr>
+        <p:txBody>
+          <a:bodyPr anchor="ctr"/>
+          <a:lstStyle/>
+          <a:p>
+            <a:r>
+              <a:rPr lang="en-US" dirty="0"/>
+              <a:t>Tags and Tag Navigation</a:t>
+            </a:r>
+          </a:p>
+        </p:txBody>
+      </p:sp>
+    </p:spTree>
+    <p:extLst>
+      <p:ext uri="{BB962C8B-B14F-4D97-AF65-F5344CB8AC3E}">
+        <p14:creationId xmlns:p14="http://schemas.microsoft.com/office/powerpoint/2010/main" val="1931633212"/>
       </p:ext>
     </p:extLst>
   </p:cSld>

--- a/4. Building a Blog Style Home Page Site.pptx
+++ b/4. Building a Blog Style Home Page Site.pptx
@@ -13,8 +13,10 @@
     <p:sldId id="265" r:id="rId7"/>
     <p:sldId id="266" r:id="rId8"/>
     <p:sldId id="260" r:id="rId9"/>
-    <p:sldId id="261" r:id="rId10"/>
-    <p:sldId id="262" r:id="rId11"/>
+    <p:sldId id="267" r:id="rId10"/>
+    <p:sldId id="268" r:id="rId11"/>
+    <p:sldId id="261" r:id="rId12"/>
+    <p:sldId id="262" r:id="rId13"/>
   </p:sldIdLst>
   <p:sldSz cx="12192000" cy="6858000"/>
   <p:notesSz cx="6858000" cy="9144000"/>
@@ -317,7 +319,7 @@
                 <a:tabLst/>
                 <a:defRPr/>
               </a:pPr>
-              <a:t>5/24/2018</a:t>
+              <a:t>5/26/2018</a:t>
             </a:fld>
             <a:endParaRPr kumimoji="0" lang="en-US" sz="1200" b="0" i="0" u="none" strike="noStrike" kern="1200" cap="none" spc="0" normalizeH="0" baseline="0" noProof="0">
               <a:ln>
@@ -675,7 +677,7 @@
                 <a:tabLst/>
                 <a:defRPr/>
               </a:pPr>
-              <a:t>5/24/2018</a:t>
+              <a:t>5/26/2018</a:t>
             </a:fld>
             <a:endParaRPr kumimoji="0" lang="en-US" sz="1200" b="0" i="0" u="none" strike="noStrike" kern="1200" cap="none" spc="0" normalizeH="0" baseline="0" noProof="0">
               <a:ln>
@@ -1043,7 +1045,7 @@
                 <a:tabLst/>
                 <a:defRPr/>
               </a:pPr>
-              <a:t>5/24/2018</a:t>
+              <a:t>5/26/2018</a:t>
             </a:fld>
             <a:endParaRPr kumimoji="0" lang="en-US" sz="1200" b="0" i="0" u="none" strike="noStrike" kern="1200" cap="none" spc="0" normalizeH="0" baseline="0" noProof="0">
               <a:ln>
@@ -1401,7 +1403,7 @@
                 <a:tabLst/>
                 <a:defRPr/>
               </a:pPr>
-              <a:t>5/24/2018</a:t>
+              <a:t>5/26/2018</a:t>
             </a:fld>
             <a:endParaRPr kumimoji="0" lang="en-US" sz="1200" b="0" i="0" u="none" strike="noStrike" kern="1200" cap="none" spc="0" normalizeH="0" baseline="0" noProof="0">
               <a:ln>
@@ -1836,7 +1838,7 @@
                 <a:tabLst/>
                 <a:defRPr/>
               </a:pPr>
-              <a:t>5/24/2018</a:t>
+              <a:t>5/26/2018</a:t>
             </a:fld>
             <a:endParaRPr kumimoji="0" lang="en-US" sz="1200" b="0" i="0" u="none" strike="noStrike" kern="1200" cap="none" spc="0" normalizeH="0" baseline="0" noProof="0">
               <a:ln>
@@ -2261,7 +2263,7 @@
                 <a:tabLst/>
                 <a:defRPr/>
               </a:pPr>
-              <a:t>5/24/2018</a:t>
+              <a:t>5/26/2018</a:t>
             </a:fld>
             <a:endParaRPr kumimoji="0" lang="en-US" sz="1200" b="0" i="0" u="none" strike="noStrike" kern="1200" cap="none" spc="0" normalizeH="0" baseline="0" noProof="0">
               <a:ln>
@@ -2833,7 +2835,7 @@
                 <a:tabLst/>
                 <a:defRPr/>
               </a:pPr>
-              <a:t>5/24/2018</a:t>
+              <a:t>5/26/2018</a:t>
             </a:fld>
             <a:endParaRPr kumimoji="0" lang="en-US" sz="1200" b="0" i="0" u="none" strike="noStrike" kern="1200" cap="none" spc="0" normalizeH="0" baseline="0" noProof="0">
               <a:ln>
@@ -3134,7 +3136,7 @@
                 <a:tabLst/>
                 <a:defRPr/>
               </a:pPr>
-              <a:t>5/24/2018</a:t>
+              <a:t>5/26/2018</a:t>
             </a:fld>
             <a:endParaRPr kumimoji="0" lang="en-US" sz="1200" b="0" i="0" u="none" strike="noStrike" kern="1200" cap="none" spc="0" normalizeH="0" baseline="0" noProof="0">
               <a:ln>
@@ -3407,7 +3409,7 @@
                 <a:tabLst/>
                 <a:defRPr/>
               </a:pPr>
-              <a:t>5/24/2018</a:t>
+              <a:t>5/26/2018</a:t>
             </a:fld>
             <a:endParaRPr kumimoji="0" lang="en-US" sz="1200" b="0" i="0" u="none" strike="noStrike" kern="1200" cap="none" spc="0" normalizeH="0" baseline="0" noProof="0">
               <a:ln>
@@ -3878,7 +3880,7 @@
                 <a:tabLst/>
                 <a:defRPr/>
               </a:pPr>
-              <a:t>5/24/2018</a:t>
+              <a:t>5/26/2018</a:t>
             </a:fld>
             <a:endParaRPr kumimoji="0" lang="en-US" sz="1200" b="0" i="0" u="none" strike="noStrike" kern="1200" cap="none" spc="0" normalizeH="0" baseline="0" noProof="0">
               <a:ln>
@@ -4326,7 +4328,7 @@
                 <a:tabLst/>
                 <a:defRPr/>
               </a:pPr>
-              <a:t>5/24/2018</a:t>
+              <a:t>5/26/2018</a:t>
             </a:fld>
             <a:endParaRPr kumimoji="0" lang="en-US" sz="1200" b="0" i="0" u="none" strike="noStrike" kern="1200" cap="none" spc="0" normalizeH="0" baseline="0" noProof="0">
               <a:ln>
@@ -4727,7 +4729,7 @@
                 <a:tabLst/>
                 <a:defRPr/>
               </a:pPr>
-              <a:t>5/24/2018</a:t>
+              <a:t>5/26/2018</a:t>
             </a:fld>
             <a:endParaRPr kumimoji="0" lang="en-US" sz="1200" b="0" i="0" u="none" strike="noStrike" kern="1200" cap="none" spc="0" normalizeH="0" baseline="0" noProof="0">
               <a:ln>
@@ -5314,6 +5316,175 @@
       </p:grpSpPr>
       <p:sp>
         <p:nvSpPr>
+          <p:cNvPr id="2" name="Title 1">
+            <a:extLst>
+              <a:ext uri="{FF2B5EF4-FFF2-40B4-BE49-F238E27FC236}">
+                <a16:creationId xmlns:a16="http://schemas.microsoft.com/office/drawing/2014/main" id="{585BBF10-1DEF-4141-8DB4-809CEF103A6A}"/>
+              </a:ext>
+            </a:extLst>
+          </p:cNvPr>
+          <p:cNvSpPr>
+            <a:spLocks noGrp="1"/>
+          </p:cNvSpPr>
+          <p:nvPr>
+            <p:ph type="title"/>
+          </p:nvPr>
+        </p:nvSpPr>
+        <p:spPr/>
+        <p:txBody>
+          <a:bodyPr/>
+          <a:lstStyle/>
+          <a:p>
+            <a:endParaRPr lang="en-US"/>
+          </a:p>
+        </p:txBody>
+      </p:sp>
+      <p:sp>
+        <p:nvSpPr>
+          <p:cNvPr id="3" name="Content Placeholder 2">
+            <a:extLst>
+              <a:ext uri="{FF2B5EF4-FFF2-40B4-BE49-F238E27FC236}">
+                <a16:creationId xmlns:a16="http://schemas.microsoft.com/office/drawing/2014/main" id="{F03A91A7-97D8-4B0E-8F7C-5FF7EB180695}"/>
+              </a:ext>
+            </a:extLst>
+          </p:cNvPr>
+          <p:cNvSpPr>
+            <a:spLocks noGrp="1"/>
+          </p:cNvSpPr>
+          <p:nvPr>
+            <p:ph idx="1"/>
+          </p:nvPr>
+        </p:nvSpPr>
+        <p:spPr/>
+        <p:txBody>
+          <a:bodyPr/>
+          <a:lstStyle/>
+          <a:p>
+            <a:r>
+              <a:rPr lang="en-US" dirty="0"/>
+              <a:t>Create 6 Category ( landscape, Flora, </a:t>
+            </a:r>
+            <a:r>
+              <a:rPr lang="en-US" dirty="0" err="1"/>
+              <a:t>Interia</a:t>
+            </a:r>
+            <a:r>
+              <a:rPr lang="en-US" dirty="0"/>
+              <a:t>, Still Life, Action, Figure )</a:t>
+            </a:r>
+          </a:p>
+          <a:p>
+            <a:r>
+              <a:rPr lang="en-US" dirty="0"/>
+              <a:t>Add Categories Widget to Content Sidebar</a:t>
+            </a:r>
+          </a:p>
+          <a:p>
+            <a:r>
+              <a:rPr lang="en-US" dirty="0"/>
+              <a:t>Delete imported Categories from sample.xml file</a:t>
+            </a:r>
+          </a:p>
+          <a:p>
+            <a:r>
+              <a:rPr lang="en-US" dirty="0"/>
+              <a:t>Add Categories to Posts</a:t>
+            </a:r>
+          </a:p>
+          <a:p>
+            <a:endParaRPr lang="en-US" dirty="0"/>
+          </a:p>
+        </p:txBody>
+      </p:sp>
+    </p:spTree>
+    <p:extLst>
+      <p:ext uri="{BB962C8B-B14F-4D97-AF65-F5344CB8AC3E}">
+        <p14:creationId xmlns:p14="http://schemas.microsoft.com/office/powerpoint/2010/main" val="5183841"/>
+      </p:ext>
+    </p:extLst>
+  </p:cSld>
+  <p:clrMapOvr>
+    <a:masterClrMapping/>
+  </p:clrMapOvr>
+</p:sld>
+</file>
+
+<file path=ppt/slides/slide11.xml><?xml version="1.0" encoding="utf-8"?>
+<p:sld xmlns:a="http://schemas.openxmlformats.org/drawingml/2006/main" xmlns:r="http://schemas.openxmlformats.org/officeDocument/2006/relationships" xmlns:p="http://schemas.openxmlformats.org/presentationml/2006/main">
+  <p:cSld>
+    <p:spTree>
+      <p:nvGrpSpPr>
+        <p:cNvPr id="1" name=""/>
+        <p:cNvGrpSpPr/>
+        <p:nvPr/>
+      </p:nvGrpSpPr>
+      <p:grpSpPr>
+        <a:xfrm>
+          <a:off x="0" y="0"/>
+          <a:ext cx="0" cy="0"/>
+          <a:chOff x="0" y="0"/>
+          <a:chExt cx="0" cy="0"/>
+        </a:xfrm>
+      </p:grpSpPr>
+      <p:sp>
+        <p:nvSpPr>
+          <p:cNvPr id="2" name="Title 1"/>
+          <p:cNvSpPr>
+            <a:spLocks noGrp="1"/>
+          </p:cNvSpPr>
+          <p:nvPr>
+            <p:ph type="ctrTitle"/>
+          </p:nvPr>
+        </p:nvSpPr>
+        <p:spPr>
+          <a:xfrm>
+            <a:off x="0" y="0"/>
+            <a:ext cx="12192000" cy="6858000"/>
+          </a:xfrm>
+        </p:spPr>
+        <p:txBody>
+          <a:bodyPr anchor="ctr"/>
+          <a:lstStyle/>
+          <a:p>
+            <a:r>
+              <a:rPr lang="en-US" dirty="0"/>
+              <a:t>Tags and Tag Navigation</a:t>
+            </a:r>
+          </a:p>
+        </p:txBody>
+      </p:sp>
+    </p:spTree>
+    <p:extLst>
+      <p:ext uri="{BB962C8B-B14F-4D97-AF65-F5344CB8AC3E}">
+        <p14:creationId xmlns:p14="http://schemas.microsoft.com/office/powerpoint/2010/main" val="1931633212"/>
+      </p:ext>
+    </p:extLst>
+  </p:cSld>
+  <p:clrMapOvr>
+    <a:masterClrMapping/>
+  </p:clrMapOvr>
+</p:sld>
+</file>
+
+<file path=ppt/slides/slide12.xml><?xml version="1.0" encoding="utf-8"?>
+<p:sld xmlns:a="http://schemas.openxmlformats.org/drawingml/2006/main" xmlns:r="http://schemas.openxmlformats.org/officeDocument/2006/relationships" xmlns:p="http://schemas.openxmlformats.org/presentationml/2006/main">
+  <p:cSld>
+    <p:spTree>
+      <p:nvGrpSpPr>
+        <p:cNvPr id="1" name=""/>
+        <p:cNvGrpSpPr/>
+        <p:nvPr/>
+      </p:nvGrpSpPr>
+      <p:grpSpPr>
+        <a:xfrm>
+          <a:off x="0" y="0"/>
+          <a:ext cx="0" cy="0"/>
+          <a:chOff x="0" y="0"/>
+          <a:chExt cx="0" cy="0"/>
+        </a:xfrm>
+      </p:grpSpPr>
+      <p:sp>
+        <p:nvSpPr>
           <p:cNvPr id="2" name="Title 1"/>
           <p:cNvSpPr>
             <a:spLocks noGrp="1"/>
@@ -5447,13 +5618,19 @@
           <a:p>
             <a:r>
               <a:rPr lang="en-US" dirty="0"/>
-              <a:t>Set List of Posts as Front Page</a:t>
+              <a:t>Set List of Posts as Home Page ( Front Page )</a:t>
             </a:r>
           </a:p>
           <a:p>
             <a:r>
               <a:rPr lang="en-US" dirty="0"/>
               <a:t>In Front Page just show 3 Posts</a:t>
+            </a:r>
+          </a:p>
+          <a:p>
+            <a:r>
+              <a:rPr lang="en-US" dirty="0"/>
+              <a:t>Install Twenty Fourteen Theme and Preview that Theme</a:t>
             </a:r>
           </a:p>
         </p:txBody>
@@ -5535,7 +5712,7 @@
           <a:p>
             <a:r>
               <a:rPr lang="en-US" dirty="0"/>
-              <a:t>Add New Twenty Fourteen Theme and Activate that Theme</a:t>
+              <a:t>Activate Twenty Fourteen Theme</a:t>
             </a:r>
           </a:p>
           <a:p>
@@ -5901,27 +6078,60 @@
       </p:grpSpPr>
       <p:sp>
         <p:nvSpPr>
-          <p:cNvPr id="2" name="Title 1"/>
-          <p:cNvSpPr>
-            <a:spLocks noGrp="1"/>
-          </p:cNvSpPr>
-          <p:nvPr>
-            <p:ph type="ctrTitle"/>
-          </p:nvPr>
-        </p:nvSpPr>
-        <p:spPr>
-          <a:xfrm>
-            <a:off x="0" y="0"/>
-            <a:ext cx="12192000" cy="6858000"/>
-          </a:xfrm>
-        </p:spPr>
-        <p:txBody>
-          <a:bodyPr anchor="ctr"/>
+          <p:cNvPr id="2" name="Title 1">
+            <a:extLst>
+              <a:ext uri="{FF2B5EF4-FFF2-40B4-BE49-F238E27FC236}">
+                <a16:creationId xmlns:a16="http://schemas.microsoft.com/office/drawing/2014/main" id="{34D83D22-F887-49B7-B419-96F9AB7D3408}"/>
+              </a:ext>
+            </a:extLst>
+          </p:cNvPr>
+          <p:cNvSpPr>
+            <a:spLocks noGrp="1"/>
+          </p:cNvSpPr>
+          <p:nvPr>
+            <p:ph type="title"/>
+          </p:nvPr>
+        </p:nvSpPr>
+        <p:spPr/>
+        <p:txBody>
+          <a:bodyPr/>
           <a:lstStyle/>
           <a:p>
             <a:r>
               <a:rPr lang="en-US" dirty="0"/>
-              <a:t>Tags and Tag Navigation</a:t>
+              <a:t>What is Category?</a:t>
+            </a:r>
+          </a:p>
+        </p:txBody>
+      </p:sp>
+      <p:sp>
+        <p:nvSpPr>
+          <p:cNvPr id="3" name="Content Placeholder 2">
+            <a:extLst>
+              <a:ext uri="{FF2B5EF4-FFF2-40B4-BE49-F238E27FC236}">
+                <a16:creationId xmlns:a16="http://schemas.microsoft.com/office/drawing/2014/main" id="{96F48849-E49B-4307-87DD-0F7736B99D40}"/>
+              </a:ext>
+            </a:extLst>
+          </p:cNvPr>
+          <p:cNvSpPr>
+            <a:spLocks noGrp="1"/>
+          </p:cNvSpPr>
+          <p:nvPr>
+            <p:ph idx="1"/>
+          </p:nvPr>
+        </p:nvSpPr>
+        <p:spPr/>
+        <p:txBody>
+          <a:bodyPr/>
+          <a:lstStyle/>
+          <a:p>
+            <a:r>
+              <a:rPr lang="en-US" dirty="0" err="1"/>
+              <a:t>Wordpress</a:t>
+            </a:r>
+            <a:r>
+              <a:rPr lang="en-US" dirty="0"/>
+              <a:t> Default Taxonomies.</a:t>
             </a:r>
           </a:p>
         </p:txBody>
@@ -5929,7 +6139,7 @@
     </p:spTree>
     <p:extLst>
       <p:ext uri="{BB962C8B-B14F-4D97-AF65-F5344CB8AC3E}">
-        <p14:creationId xmlns:p14="http://schemas.microsoft.com/office/powerpoint/2010/main" val="1931633212"/>
+        <p14:creationId xmlns:p14="http://schemas.microsoft.com/office/powerpoint/2010/main" val="1022203873"/>
       </p:ext>
     </p:extLst>
   </p:cSld>
